--- a/slides/07-Java面向对象编程-继承-抽象类-接口和枚举.pptx
+++ b/slides/07-Java面向对象编程-继承-抽象类-接口和枚举.pptx
@@ -227,29 +227,6 @@
 <file path=ppt/changesInfos/changesInfo1.xml><?xml version="1.0" encoding="utf-8"?>
 <pc:chgInfo xmlns:a="http://schemas.openxmlformats.org/drawingml/2006/main" xmlns:r="http://schemas.openxmlformats.org/officeDocument/2006/relationships" xmlns:ac="http://schemas.microsoft.com/office/drawing/2013/main/command" xmlns:pc="http://schemas.microsoft.com/office/powerpoint/2013/main/command">
   <pc:docChgLst>
-    <pc:chgData name="pdcxs" userId="f53f700a-6709-4045-8975-3edaa594be1c" providerId="ADAL" clId="{A104FC25-3629-4199-A86F-8DD4ABAFA204}"/>
-    <pc:docChg chg="addSld delSld modSld">
-      <pc:chgData name="pdcxs" userId="f53f700a-6709-4045-8975-3edaa594be1c" providerId="ADAL" clId="{A104FC25-3629-4199-A86F-8DD4ABAFA204}" dt="2024-02-28T05:42:14.910" v="1" actId="47"/>
-      <pc:docMkLst>
-        <pc:docMk/>
-      </pc:docMkLst>
-      <pc:sldChg chg="del">
-        <pc:chgData name="pdcxs" userId="f53f700a-6709-4045-8975-3edaa594be1c" providerId="ADAL" clId="{A104FC25-3629-4199-A86F-8DD4ABAFA204}" dt="2024-02-28T05:42:14.910" v="1" actId="47"/>
-        <pc:sldMkLst>
-          <pc:docMk/>
-          <pc:sldMk cId="753176371" sldId="306"/>
-        </pc:sldMkLst>
-      </pc:sldChg>
-      <pc:sldChg chg="add">
-        <pc:chgData name="pdcxs" userId="f53f700a-6709-4045-8975-3edaa594be1c" providerId="ADAL" clId="{A104FC25-3629-4199-A86F-8DD4ABAFA204}" dt="2024-02-28T05:42:13.628" v="0"/>
-        <pc:sldMkLst>
-          <pc:docMk/>
-          <pc:sldMk cId="4091567081" sldId="394"/>
-        </pc:sldMkLst>
-      </pc:sldChg>
-    </pc:docChg>
-  </pc:docChgLst>
-  <pc:docChgLst>
     <pc:chgData name="pdcxs" userId="f53f700a-6709-4045-8975-3edaa594be1c" providerId="ADAL" clId="{2B34E043-AFFD-4518-AF19-F827C1D5B4AA}"/>
     <pc:docChg chg="modSld">
       <pc:chgData name="pdcxs" userId="f53f700a-6709-4045-8975-3edaa594be1c" providerId="ADAL" clId="{2B34E043-AFFD-4518-AF19-F827C1D5B4AA}" dt="2023-03-09T01:55:26.616" v="8" actId="20577"/>
@@ -270,6 +247,29 @@
             <ac:spMk id="19" creationId="{00000000-0000-0000-0000-000000000000}"/>
           </ac:spMkLst>
         </pc:spChg>
+      </pc:sldChg>
+    </pc:docChg>
+  </pc:docChgLst>
+  <pc:docChgLst>
+    <pc:chgData name="pdcxs" userId="f53f700a-6709-4045-8975-3edaa594be1c" providerId="ADAL" clId="{A104FC25-3629-4199-A86F-8DD4ABAFA204}"/>
+    <pc:docChg chg="addSld delSld modSld">
+      <pc:chgData name="pdcxs" userId="f53f700a-6709-4045-8975-3edaa594be1c" providerId="ADAL" clId="{A104FC25-3629-4199-A86F-8DD4ABAFA204}" dt="2024-02-28T05:42:14.910" v="1" actId="47"/>
+      <pc:docMkLst>
+        <pc:docMk/>
+      </pc:docMkLst>
+      <pc:sldChg chg="del">
+        <pc:chgData name="pdcxs" userId="f53f700a-6709-4045-8975-3edaa594be1c" providerId="ADAL" clId="{A104FC25-3629-4199-A86F-8DD4ABAFA204}" dt="2024-02-28T05:42:14.910" v="1" actId="47"/>
+        <pc:sldMkLst>
+          <pc:docMk/>
+          <pc:sldMk cId="753176371" sldId="306"/>
+        </pc:sldMkLst>
+      </pc:sldChg>
+      <pc:sldChg chg="add">
+        <pc:chgData name="pdcxs" userId="f53f700a-6709-4045-8975-3edaa594be1c" providerId="ADAL" clId="{A104FC25-3629-4199-A86F-8DD4ABAFA204}" dt="2024-02-28T05:42:13.628" v="0"/>
+        <pc:sldMkLst>
+          <pc:docMk/>
+          <pc:sldMk cId="4091567081" sldId="394"/>
+        </pc:sldMkLst>
       </pc:sldChg>
     </pc:docChg>
   </pc:docChgLst>
@@ -615,7 +615,7 @@
               <a:pPr>
                 <a:defRPr/>
               </a:pPr>
-              <a:t>2024/3/18</a:t>
+              <a:t>2024/3/19</a:t>
             </a:fld>
             <a:endParaRPr lang="zh-CN" altLang="en-US"/>
           </a:p>
@@ -4891,7 +4891,7 @@
               <a:pPr>
                 <a:defRPr/>
               </a:pPr>
-              <a:t>2024/3/18</a:t>
+              <a:t>2024/3/19</a:t>
             </a:fld>
             <a:endParaRPr lang="zh-CN" altLang="en-US"/>
           </a:p>
@@ -5232,7 +5232,7 @@
               <a:pPr>
                 <a:defRPr/>
               </a:pPr>
-              <a:t>2024/3/18</a:t>
+              <a:t>2024/3/19</a:t>
             </a:fld>
             <a:endParaRPr lang="zh-CN" altLang="en-US"/>
           </a:p>
@@ -5495,7 +5495,7 @@
               <a:pPr>
                 <a:defRPr/>
               </a:pPr>
-              <a:t>2024/3/18</a:t>
+              <a:t>2024/3/19</a:t>
             </a:fld>
             <a:endParaRPr lang="zh-CN" altLang="en-US"/>
           </a:p>
@@ -5758,7 +5758,7 @@
               <a:pPr>
                 <a:defRPr/>
               </a:pPr>
-              <a:t>2024/3/18</a:t>
+              <a:t>2024/3/19</a:t>
             </a:fld>
             <a:endParaRPr lang="zh-CN" altLang="en-US"/>
           </a:p>
@@ -6066,7 +6066,7 @@
           <a:p>
             <a:fld id="{727B9DD9-119C-4B8D-B3AB-3CFC6AE69930}" type="datetimeFigureOut">
               <a:rPr lang="zh-CN" altLang="en-US" smtClean="0"/>
-              <a:t>2024/3/18</a:t>
+              <a:t>2024/3/19</a:t>
             </a:fld>
             <a:endParaRPr lang="zh-CN" altLang="en-US"/>
           </a:p>
@@ -6146,7 +6146,7 @@
         <p:random/>
       </p:transition>
     </mc:Choice>
-    <mc:Fallback xmlns:p15="http://schemas.microsoft.com/office/powerpoint/2012/main" xmlns="">
+    <mc:Fallback xmlns="" xmlns:p15="http://schemas.microsoft.com/office/powerpoint/2012/main">
       <p:transition spd="slow" advClick="0">
         <p:random/>
       </p:transition>
@@ -7428,7 +7428,7 @@
               <a:pPr>
                 <a:defRPr/>
               </a:pPr>
-              <a:t>2024/3/18</a:t>
+              <a:t>2024/3/19</a:t>
             </a:fld>
             <a:endParaRPr lang="zh-CN" altLang="en-US"/>
           </a:p>
@@ -7946,7 +7946,7 @@
               <a:pPr>
                 <a:defRPr/>
               </a:pPr>
-              <a:t>2024/3/18</a:t>
+              <a:t>2024/3/19</a:t>
             </a:fld>
             <a:endParaRPr lang="zh-CN" altLang="en-US"/>
           </a:p>
@@ -8150,7 +8150,7 @@
               <a:pPr>
                 <a:defRPr/>
               </a:pPr>
-              <a:t>2024/3/18</a:t>
+              <a:t>2024/3/19</a:t>
             </a:fld>
             <a:endParaRPr lang="zh-CN" altLang="en-US"/>
           </a:p>
@@ -8324,7 +8324,7 @@
               <a:pPr>
                 <a:defRPr/>
               </a:pPr>
-              <a:t>2024/3/18</a:t>
+              <a:t>2024/3/19</a:t>
             </a:fld>
             <a:endParaRPr lang="zh-CN" altLang="en-US"/>
           </a:p>
@@ -9184,7 +9184,7 @@
         <p:blinds dir="vert"/>
       </p:transition>
     </mc:Choice>
-    <mc:Fallback xmlns:p15="http://schemas.microsoft.com/office/powerpoint/2012/main" xmlns="">
+    <mc:Fallback xmlns="" xmlns:p15="http://schemas.microsoft.com/office/powerpoint/2012/main">
       <p:transition spd="slow" advClick="0">
         <p:blinds dir="vert"/>
       </p:transition>
@@ -9985,7 +9985,7 @@
         <p:blinds dir="vert"/>
       </p:transition>
     </mc:Choice>
-    <mc:Fallback xmlns:p15="http://schemas.microsoft.com/office/powerpoint/2012/main" xmlns="">
+    <mc:Fallback xmlns="" xmlns:p15="http://schemas.microsoft.com/office/powerpoint/2012/main">
       <p:transition spd="slow" advClick="0">
         <p:blinds dir="vert"/>
       </p:transition>
@@ -11466,65 +11466,6 @@
           </a:p>
         </p:txBody>
       </p:sp>
-      <p:sp>
-        <p:nvSpPr>
-          <p:cNvPr id="5" name="文本框 4">
-            <a:extLst>
-              <a:ext uri="{FF2B5EF4-FFF2-40B4-BE49-F238E27FC236}">
-                <a16:creationId xmlns:a16="http://schemas.microsoft.com/office/drawing/2014/main" id="{3DA31750-E5B7-415F-A248-651D0D6E5D5F}"/>
-              </a:ext>
-            </a:extLst>
-          </p:cNvPr>
-          <p:cNvSpPr txBox="1"/>
-          <p:nvPr/>
-        </p:nvSpPr>
-        <p:spPr>
-          <a:xfrm>
-            <a:off x="4283968" y="1491630"/>
-            <a:ext cx="3180358" cy="523220"/>
-          </a:xfrm>
-          <a:prstGeom prst="rect">
-            <a:avLst/>
-          </a:prstGeom>
-          <a:solidFill>
-            <a:schemeClr val="accent1">
-              <a:lumMod val="40000"/>
-              <a:lumOff val="60000"/>
-            </a:schemeClr>
-          </a:solidFill>
-          <a:ln>
-            <a:solidFill>
-              <a:schemeClr val="accent1">
-                <a:lumMod val="40000"/>
-                <a:lumOff val="60000"/>
-              </a:schemeClr>
-            </a:solidFill>
-          </a:ln>
-        </p:spPr>
-        <p:txBody>
-          <a:bodyPr wrap="square" rtlCol="0">
-            <a:spAutoFit/>
-          </a:bodyPr>
-          <a:lstStyle>
-            <a:defPPr>
-              <a:defRPr lang="zh-CN"/>
-            </a:defPPr>
-            <a:lvl1pPr>
-              <a:defRPr sz="2800">
-                <a:latin typeface="微软雅黑" panose="020B0503020204020204" pitchFamily="34" charset="-122"/>
-                <a:ea typeface="微软雅黑" panose="020B0503020204020204" pitchFamily="34" charset="-122"/>
-              </a:defRPr>
-            </a:lvl1pPr>
-          </a:lstStyle>
-          <a:p>
-            <a:r>
-              <a:rPr lang="en-US" altLang="zh-CN" dirty="0"/>
-              <a:t>J7chapter8_4.java</a:t>
-            </a:r>
-            <a:endParaRPr lang="zh-CN" altLang="en-US" dirty="0"/>
-          </a:p>
-        </p:txBody>
-      </p:sp>
     </p:spTree>
     <p:extLst>
       <p:ext uri="{BB962C8B-B14F-4D97-AF65-F5344CB8AC3E}">
@@ -11541,7 +11482,7 @@
         <p:blinds dir="vert"/>
       </p:transition>
     </mc:Choice>
-    <mc:Fallback xmlns:p15="http://schemas.microsoft.com/office/powerpoint/2012/main" xmlns="">
+    <mc:Fallback xmlns="" xmlns:p15="http://schemas.microsoft.com/office/powerpoint/2012/main">
       <p:transition spd="slow" advClick="0">
         <p:blinds dir="vert"/>
       </p:transition>
@@ -12462,7 +12403,7 @@
         <p:blinds dir="vert"/>
       </p:transition>
     </mc:Choice>
-    <mc:Fallback xmlns:p15="http://schemas.microsoft.com/office/powerpoint/2012/main" xmlns="">
+    <mc:Fallback xmlns="" xmlns:p15="http://schemas.microsoft.com/office/powerpoint/2012/main">
       <p:transition spd="slow" advClick="0">
         <p:blinds dir="vert"/>
       </p:transition>
@@ -14086,7 +14027,7 @@
         <p:blinds dir="vert"/>
       </p:transition>
     </mc:Choice>
-    <mc:Fallback xmlns="" xmlns:p15="http://schemas.microsoft.com/office/powerpoint/2012/main">
+    <mc:Fallback xmlns:p15="http://schemas.microsoft.com/office/powerpoint/2012/main" xmlns="">
       <p:transition spd="slow" advClick="0">
         <p:blinds dir="vert"/>
       </p:transition>
@@ -16205,7 +16146,7 @@
         <p:blinds dir="vert"/>
       </p:transition>
     </mc:Choice>
-    <mc:Fallback xmlns="" xmlns:p15="http://schemas.microsoft.com/office/powerpoint/2012/main">
+    <mc:Fallback xmlns:p15="http://schemas.microsoft.com/office/powerpoint/2012/main" xmlns="">
       <p:transition spd="slow" advClick="0">
         <p:blinds dir="vert"/>
       </p:transition>
@@ -16886,7 +16827,7 @@
         <p:blinds dir="vert"/>
       </p:transition>
     </mc:Choice>
-    <mc:Fallback xmlns="" xmlns:p15="http://schemas.microsoft.com/office/powerpoint/2012/main">
+    <mc:Fallback xmlns:p15="http://schemas.microsoft.com/office/powerpoint/2012/main" xmlns="">
       <p:transition spd="slow" advClick="0">
         <p:blinds dir="vert"/>
       </p:transition>
@@ -19757,7 +19698,7 @@
         <p14:prism/>
       </p:transition>
     </mc:Choice>
-    <mc:Fallback xmlns:p15="http://schemas.microsoft.com/office/powerpoint/2012/main" xmlns="">
+    <mc:Fallback xmlns="" xmlns:p15="http://schemas.microsoft.com/office/powerpoint/2012/main">
       <p:transition spd="slow" advClick="0">
         <p:fade/>
       </p:transition>
@@ -21339,8 +21280,8 @@
         </p:nvSpPr>
         <p:spPr>
           <a:xfrm>
-            <a:off x="899592" y="679083"/>
-            <a:ext cx="7587333" cy="4154984"/>
+            <a:off x="899592" y="803830"/>
+            <a:ext cx="6351419" cy="3785652"/>
           </a:xfrm>
           <a:prstGeom prst="rect">
             <a:avLst/>
@@ -21359,7 +21300,7 @@
           <a:lstStyle/>
           <a:p>
             <a:r>
-              <a:rPr lang="en-US" altLang="zh-CN" sz="2400" dirty="0" err="1">
+              <a:rPr lang="en-US" altLang="zh-CN" sz="2000" dirty="0" err="1">
                 <a:solidFill>
                   <a:srgbClr val="FF0000"/>
                 </a:solidFill>
@@ -21369,7 +21310,7 @@
               <a:t>boolean</a:t>
             </a:r>
             <a:r>
-              <a:rPr lang="en-US" altLang="zh-CN" sz="2400" dirty="0">
+              <a:rPr lang="en-US" altLang="zh-CN" sz="2000" dirty="0">
                 <a:solidFill>
                   <a:srgbClr val="FF0000"/>
                 </a:solidFill>
@@ -21381,7 +21322,7 @@
           </a:p>
           <a:p>
             <a:r>
-              <a:rPr lang="en-US" altLang="zh-CN" sz="2400" dirty="0">
+              <a:rPr lang="en-US" altLang="zh-CN" sz="2000" dirty="0">
                 <a:solidFill>
                   <a:srgbClr val="FF0000"/>
                 </a:solidFill>
@@ -21393,7 +21334,7 @@
           </a:p>
           <a:p>
             <a:r>
-              <a:rPr lang="en-US" altLang="zh-CN" sz="2400" dirty="0">
+              <a:rPr lang="en-US" altLang="zh-CN" sz="2000" dirty="0">
                 <a:solidFill>
                   <a:srgbClr val="FF0000"/>
                 </a:solidFill>
@@ -21405,7 +21346,7 @@
           </a:p>
           <a:p>
             <a:r>
-              <a:rPr lang="en-US" altLang="zh-CN" sz="2400" dirty="0">
+              <a:rPr lang="en-US" altLang="zh-CN" sz="2000" dirty="0">
                 <a:solidFill>
                   <a:srgbClr val="FF0000"/>
                 </a:solidFill>
@@ -21417,7 +21358,7 @@
           </a:p>
           <a:p>
             <a:r>
-              <a:rPr lang="en-US" altLang="zh-CN" sz="2400" dirty="0">
+              <a:rPr lang="en-US" altLang="zh-CN" sz="2000" dirty="0">
                 <a:solidFill>
                   <a:srgbClr val="FF0000"/>
                 </a:solidFill>
@@ -21427,7 +21368,7 @@
               <a:t>    if(obj != null &amp;&amp; </a:t>
             </a:r>
             <a:r>
-              <a:rPr lang="en-US" altLang="zh-CN" sz="2400" dirty="0" err="1">
+              <a:rPr lang="en-US" altLang="zh-CN" sz="2000" dirty="0" err="1">
                 <a:solidFill>
                   <a:srgbClr val="FF0000"/>
                 </a:solidFill>
@@ -21437,7 +21378,7 @@
               <a:t>obj.getClass</a:t>
             </a:r>
             <a:r>
-              <a:rPr lang="en-US" altLang="zh-CN" sz="2400" dirty="0">
+              <a:rPr lang="en-US" altLang="zh-CN" sz="2000" dirty="0">
                 <a:solidFill>
                   <a:srgbClr val="FF0000"/>
                 </a:solidFill>
@@ -21447,7 +21388,7 @@
               <a:t>() == </a:t>
             </a:r>
             <a:r>
-              <a:rPr lang="zh-CN" altLang="en-US" sz="2400" dirty="0">
+              <a:rPr lang="zh-CN" altLang="en-US" sz="2000" dirty="0">
                 <a:solidFill>
                   <a:srgbClr val="FF0000"/>
                 </a:solidFill>
@@ -21457,7 +21398,7 @@
               <a:t>类名</a:t>
             </a:r>
             <a:r>
-              <a:rPr lang="en-US" altLang="zh-CN" sz="2400" dirty="0">
+              <a:rPr lang="en-US" altLang="zh-CN" sz="2000" dirty="0">
                 <a:solidFill>
                   <a:srgbClr val="FF0000"/>
                 </a:solidFill>
@@ -21469,7 +21410,7 @@
           </a:p>
           <a:p>
             <a:r>
-              <a:rPr lang="en-US" altLang="zh-CN" sz="2400" dirty="0">
+              <a:rPr lang="en-US" altLang="zh-CN" sz="2000" dirty="0">
                 <a:solidFill>
                   <a:srgbClr val="FF0000"/>
                 </a:solidFill>
@@ -21479,7 +21420,7 @@
               <a:t>        var obj1 = (</a:t>
             </a:r>
             <a:r>
-              <a:rPr lang="zh-CN" altLang="en-US" sz="2400" dirty="0">
+              <a:rPr lang="zh-CN" altLang="en-US" sz="2000" dirty="0">
                 <a:solidFill>
                   <a:srgbClr val="FF0000"/>
                 </a:solidFill>
@@ -21489,7 +21430,7 @@
               <a:t>类名</a:t>
             </a:r>
             <a:r>
-              <a:rPr lang="en-US" altLang="zh-CN" sz="2400" dirty="0">
+              <a:rPr lang="en-US" altLang="zh-CN" sz="2000" dirty="0">
                 <a:solidFill>
                   <a:srgbClr val="FF0000"/>
                 </a:solidFill>
@@ -21501,7 +21442,7 @@
           </a:p>
           <a:p>
             <a:r>
-              <a:rPr lang="en-US" altLang="zh-CN" sz="2400" dirty="0">
+              <a:rPr lang="en-US" altLang="zh-CN" sz="2000" dirty="0">
                 <a:solidFill>
                   <a:srgbClr val="FF0000"/>
                 </a:solidFill>
@@ -21511,7 +21452,7 @@
               <a:t>        if(obj1</a:t>
             </a:r>
             <a:r>
-              <a:rPr lang="zh-CN" altLang="en-US" sz="2400" dirty="0">
+              <a:rPr lang="zh-CN" altLang="en-US" sz="2000" dirty="0">
                 <a:solidFill>
                   <a:srgbClr val="FF0000"/>
                 </a:solidFill>
@@ -21521,7 +21462,7 @@
               <a:t>中的所有属性与当前对象的所有属性值相同</a:t>
             </a:r>
             <a:r>
-              <a:rPr lang="en-US" altLang="zh-CN" sz="2400" dirty="0">
+              <a:rPr lang="en-US" altLang="zh-CN" sz="2000" dirty="0">
                 <a:solidFill>
                   <a:srgbClr val="FF0000"/>
                 </a:solidFill>
@@ -21533,7 +21474,7 @@
           </a:p>
           <a:p>
             <a:r>
-              <a:rPr lang="en-US" altLang="zh-CN" sz="2400" dirty="0">
+              <a:rPr lang="en-US" altLang="zh-CN" sz="2000" dirty="0">
                 <a:solidFill>
                   <a:srgbClr val="FF0000"/>
                 </a:solidFill>
@@ -21545,40 +21486,52 @@
           </a:p>
           <a:p>
             <a:r>
-              <a:rPr lang="en-US" altLang="zh-CN" sz="2400" dirty="0">
+              <a:rPr lang="en-US" altLang="zh-CN" sz="2000" dirty="0">
                 <a:solidFill>
                   <a:srgbClr val="FF0000"/>
                 </a:solidFill>
                 <a:latin typeface="Times New Roman" panose="02020603050405020304" pitchFamily="18" charset="0"/>
                 <a:cs typeface="Times New Roman" panose="02020603050405020304" pitchFamily="18" charset="0"/>
               </a:rPr>
-              <a:t>    }</a:t>
-            </a:r>
-          </a:p>
-          <a:p>
-            <a:r>
-              <a:rPr lang="en-US" altLang="zh-CN" sz="2400" dirty="0">
+              <a:t>        return false;</a:t>
+            </a:r>
+          </a:p>
+          <a:p>
+            <a:r>
+              <a:rPr lang="en-US" altLang="zh-CN" sz="2000" dirty="0">
                 <a:solidFill>
                   <a:srgbClr val="FF0000"/>
                 </a:solidFill>
                 <a:latin typeface="Times New Roman" panose="02020603050405020304" pitchFamily="18" charset="0"/>
                 <a:cs typeface="Times New Roman" panose="02020603050405020304" pitchFamily="18" charset="0"/>
               </a:rPr>
-              <a:t>    return false;</a:t>
-            </a:r>
-          </a:p>
-          <a:p>
-            <a:r>
-              <a:rPr lang="en-US" altLang="zh-CN" sz="2400" dirty="0">
+              <a:t>    }</a:t>
+            </a:r>
+          </a:p>
+          <a:p>
+            <a:r>
+              <a:rPr lang="en-US" altLang="zh-CN" sz="2000" dirty="0">
                 <a:solidFill>
                   <a:srgbClr val="FF0000"/>
                 </a:solidFill>
                 <a:latin typeface="Times New Roman" panose="02020603050405020304" pitchFamily="18" charset="0"/>
                 <a:cs typeface="Times New Roman" panose="02020603050405020304" pitchFamily="18" charset="0"/>
               </a:rPr>
+              <a:t>    return false;</a:t>
+            </a:r>
+          </a:p>
+          <a:p>
+            <a:r>
+              <a:rPr lang="en-US" altLang="zh-CN" sz="2000" dirty="0">
+                <a:solidFill>
+                  <a:srgbClr val="FF0000"/>
+                </a:solidFill>
+                <a:latin typeface="Times New Roman" panose="02020603050405020304" pitchFamily="18" charset="0"/>
+                <a:cs typeface="Times New Roman" panose="02020603050405020304" pitchFamily="18" charset="0"/>
+              </a:rPr>
               <a:t>}</a:t>
             </a:r>
-            <a:endParaRPr lang="zh-CN" altLang="en-US" sz="2400" dirty="0">
+            <a:endParaRPr lang="zh-CN" altLang="en-US" sz="2000" dirty="0">
               <a:solidFill>
                 <a:srgbClr val="FF0000"/>
               </a:solidFill>
@@ -23929,7 +23882,7 @@
         <p:blinds dir="vert"/>
       </p:transition>
     </mc:Choice>
-    <mc:Fallback xmlns:p15="http://schemas.microsoft.com/office/powerpoint/2012/main" xmlns="">
+    <mc:Fallback xmlns="" xmlns:p15="http://schemas.microsoft.com/office/powerpoint/2012/main">
       <p:transition spd="slow" advClick="0">
         <p:blinds dir="vert"/>
       </p:transition>
@@ -25849,7 +25802,7 @@
         <p:blinds dir="vert"/>
       </p:transition>
     </mc:Choice>
-    <mc:Fallback xmlns:p15="http://schemas.microsoft.com/office/powerpoint/2012/main" xmlns="">
+    <mc:Fallback xmlns="" xmlns:p15="http://schemas.microsoft.com/office/powerpoint/2012/main">
       <p:transition spd="slow" advClick="0">
         <p:blinds dir="vert"/>
       </p:transition>
@@ -27582,7 +27535,7 @@
         <p:blinds dir="vert"/>
       </p:transition>
     </mc:Choice>
-    <mc:Fallback xmlns:p15="http://schemas.microsoft.com/office/powerpoint/2012/main" xmlns="">
+    <mc:Fallback xmlns="" xmlns:p15="http://schemas.microsoft.com/office/powerpoint/2012/main">
       <p:transition spd="slow" advClick="0">
         <p:blinds dir="vert"/>
       </p:transition>
@@ -29782,7 +29735,7 @@
         <p:blinds dir="vert"/>
       </p:transition>
     </mc:Choice>
-    <mc:Fallback xmlns:p15="http://schemas.microsoft.com/office/powerpoint/2012/main" xmlns="">
+    <mc:Fallback xmlns="" xmlns:p15="http://schemas.microsoft.com/office/powerpoint/2012/main">
       <p:transition spd="slow" advClick="0">
         <p:blinds dir="vert"/>
       </p:transition>
@@ -32543,7 +32496,7 @@
         <p:blinds dir="vert"/>
       </p:transition>
     </mc:Choice>
-    <mc:Fallback xmlns:p15="http://schemas.microsoft.com/office/powerpoint/2012/main" xmlns="">
+    <mc:Fallback xmlns="" xmlns:p15="http://schemas.microsoft.com/office/powerpoint/2012/main">
       <p:transition spd="slow" advClick="0">
         <p:blinds dir="vert"/>
       </p:transition>
@@ -33390,7 +33343,7 @@
         <p:blinds dir="vert"/>
       </p:transition>
     </mc:Choice>
-    <mc:Fallback xmlns:p15="http://schemas.microsoft.com/office/powerpoint/2012/main" xmlns="">
+    <mc:Fallback xmlns="" xmlns:p15="http://schemas.microsoft.com/office/powerpoint/2012/main">
       <p:transition spd="slow" advClick="0">
         <p:blinds dir="vert"/>
       </p:transition>
@@ -34221,7 +34174,7 @@
         <p:blinds dir="vert"/>
       </p:transition>
     </mc:Choice>
-    <mc:Fallback xmlns:p15="http://schemas.microsoft.com/office/powerpoint/2012/main" xmlns="">
+    <mc:Fallback xmlns="" xmlns:p15="http://schemas.microsoft.com/office/powerpoint/2012/main">
       <p:transition spd="slow" advClick="0">
         <p:blinds dir="vert"/>
       </p:transition>
@@ -36216,7 +36169,7 @@
         <p:blinds dir="vert"/>
       </p:transition>
     </mc:Choice>
-    <mc:Fallback xmlns="" xmlns:p15="http://schemas.microsoft.com/office/powerpoint/2012/main">
+    <mc:Fallback xmlns:p15="http://schemas.microsoft.com/office/powerpoint/2012/main" xmlns="">
       <p:transition spd="slow" advClick="0">
         <p:blinds dir="vert"/>
       </p:transition>
@@ -36885,7 +36838,7 @@
         <p:blinds dir="vert"/>
       </p:transition>
     </mc:Choice>
-    <mc:Fallback xmlns:p15="http://schemas.microsoft.com/office/powerpoint/2012/main" xmlns="">
+    <mc:Fallback xmlns="" xmlns:p15="http://schemas.microsoft.com/office/powerpoint/2012/main">
       <p:transition spd="slow" advClick="0">
         <p:blinds dir="vert"/>
       </p:transition>
@@ -37648,7 +37601,7 @@
         <p:blinds dir="vert"/>
       </p:transition>
     </mc:Choice>
-    <mc:Fallback xmlns="" xmlns:p15="http://schemas.microsoft.com/office/powerpoint/2012/main">
+    <mc:Fallback xmlns:p15="http://schemas.microsoft.com/office/powerpoint/2012/main" xmlns="">
       <p:transition spd="slow" advClick="0">
         <p:blinds dir="vert"/>
       </p:transition>
@@ -39363,7 +39316,7 @@
     <mc:Choice Requires="p14">
       <p:transition spd="slow" p14:dur="2000" advClick="0"/>
     </mc:Choice>
-    <mc:Fallback xmlns:p15="http://schemas.microsoft.com/office/powerpoint/2012/main" xmlns="">
+    <mc:Fallback xmlns="" xmlns:p15="http://schemas.microsoft.com/office/powerpoint/2012/main">
       <p:transition spd="slow" advClick="0"/>
     </mc:Fallback>
   </mc:AlternateContent>
@@ -43390,7 +43343,7 @@
         <p:blinds dir="vert"/>
       </p:transition>
     </mc:Choice>
-    <mc:Fallback xmlns:p15="http://schemas.microsoft.com/office/powerpoint/2012/main" xmlns="">
+    <mc:Fallback xmlns="" xmlns:p15="http://schemas.microsoft.com/office/powerpoint/2012/main">
       <p:transition spd="slow" advClick="0">
         <p:blinds dir="vert"/>
       </p:transition>

--- a/slides/07-Java面向对象编程-继承-抽象类-接口和枚举.pptx
+++ b/slides/07-Java面向对象编程-继承-抽象类-接口和枚举.pptx
@@ -216,40 +216,8 @@
 </p:cmAuthorLst>
 </file>
 
-<file path=ppt/revisionInfo.xml><?xml version="1.0" encoding="utf-8"?>
-<p1510:revInfo xmlns:a="http://schemas.openxmlformats.org/drawingml/2006/main" xmlns:r="http://schemas.openxmlformats.org/officeDocument/2006/relationships" xmlns:p1510="http://schemas.microsoft.com/office/powerpoint/2015/10/main">
-  <p1510:revLst>
-    <p1510:client id="{3ACAC3D2-0BBA-47A9-8E6F-C3BAB1AE997E}" v="1" dt="2024-03-18T11:58:04.511"/>
-  </p1510:revLst>
-</p1510:revInfo>
-</file>
-
 <file path=ppt/changesInfos/changesInfo1.xml><?xml version="1.0" encoding="utf-8"?>
 <pc:chgInfo xmlns:a="http://schemas.openxmlformats.org/drawingml/2006/main" xmlns:r="http://schemas.openxmlformats.org/officeDocument/2006/relationships" xmlns:ac="http://schemas.microsoft.com/office/drawing/2013/main/command" xmlns:pc="http://schemas.microsoft.com/office/powerpoint/2013/main/command">
-  <pc:docChgLst>
-    <pc:chgData name="pdcxs" userId="f53f700a-6709-4045-8975-3edaa594be1c" providerId="ADAL" clId="{2B34E043-AFFD-4518-AF19-F827C1D5B4AA}"/>
-    <pc:docChg chg="modSld">
-      <pc:chgData name="pdcxs" userId="f53f700a-6709-4045-8975-3edaa594be1c" providerId="ADAL" clId="{2B34E043-AFFD-4518-AF19-F827C1D5B4AA}" dt="2023-03-09T01:55:26.616" v="8" actId="20577"/>
-      <pc:docMkLst>
-        <pc:docMk/>
-      </pc:docMkLst>
-      <pc:sldChg chg="modSp mod">
-        <pc:chgData name="pdcxs" userId="f53f700a-6709-4045-8975-3edaa594be1c" providerId="ADAL" clId="{2B34E043-AFFD-4518-AF19-F827C1D5B4AA}" dt="2023-03-09T01:55:26.616" v="8" actId="20577"/>
-        <pc:sldMkLst>
-          <pc:docMk/>
-          <pc:sldMk cId="753176371" sldId="306"/>
-        </pc:sldMkLst>
-        <pc:spChg chg="mod">
-          <ac:chgData name="pdcxs" userId="f53f700a-6709-4045-8975-3edaa594be1c" providerId="ADAL" clId="{2B34E043-AFFD-4518-AF19-F827C1D5B4AA}" dt="2023-03-09T01:55:26.616" v="8" actId="20577"/>
-          <ac:spMkLst>
-            <pc:docMk/>
-            <pc:sldMk cId="753176371" sldId="306"/>
-            <ac:spMk id="19" creationId="{00000000-0000-0000-0000-000000000000}"/>
-          </ac:spMkLst>
-        </pc:spChg>
-      </pc:sldChg>
-    </pc:docChg>
-  </pc:docChgLst>
   <pc:docChgLst>
     <pc:chgData name="pdcxs" userId="f53f700a-6709-4045-8975-3edaa594be1c" providerId="ADAL" clId="{A104FC25-3629-4199-A86F-8DD4ABAFA204}"/>
     <pc:docChg chg="addSld delSld modSld">
@@ -274,6 +242,22 @@
     </pc:docChg>
   </pc:docChgLst>
   <pc:docChgLst>
+    <pc:chgData name="pdcxs" userId="f53f700a-6709-4045-8975-3edaa594be1c" providerId="ADAL" clId="{2B34E043-AFFD-4518-AF19-F827C1D5B4AA}"/>
+    <pc:docChg chg="modSld">
+      <pc:chgData name="pdcxs" userId="f53f700a-6709-4045-8975-3edaa594be1c" providerId="ADAL" clId="{2B34E043-AFFD-4518-AF19-F827C1D5B4AA}" dt="2023-03-09T01:55:26.616" v="8" actId="20577"/>
+      <pc:docMkLst>
+        <pc:docMk/>
+      </pc:docMkLst>
+      <pc:sldChg chg="modSp mod">
+        <pc:chgData name="pdcxs" userId="f53f700a-6709-4045-8975-3edaa594be1c" providerId="ADAL" clId="{2B34E043-AFFD-4518-AF19-F827C1D5B4AA}" dt="2023-03-09T01:55:26.616" v="8" actId="20577"/>
+        <pc:sldMkLst>
+          <pc:docMk/>
+          <pc:sldMk cId="753176371" sldId="306"/>
+        </pc:sldMkLst>
+      </pc:sldChg>
+    </pc:docChg>
+  </pc:docChgLst>
+  <pc:docChgLst>
     <pc:chgData name="pdcxs" userId="f53f700a-6709-4045-8975-3edaa594be1c" providerId="ADAL" clId="{3ACAC3D2-0BBA-47A9-8E6F-C3BAB1AE997E}"/>
     <pc:docChg chg="modSld">
       <pc:chgData name="pdcxs" userId="f53f700a-6709-4045-8975-3edaa594be1c" providerId="ADAL" clId="{3ACAC3D2-0BBA-47A9-8E6F-C3BAB1AE997E}" dt="2024-03-18T11:59:41.622" v="660" actId="14100"/>
@@ -286,14 +270,6 @@
           <pc:docMk/>
           <pc:sldMk cId="1693733291" sldId="324"/>
         </pc:sldMkLst>
-        <pc:spChg chg="mod">
-          <ac:chgData name="pdcxs" userId="f53f700a-6709-4045-8975-3edaa594be1c" providerId="ADAL" clId="{3ACAC3D2-0BBA-47A9-8E6F-C3BAB1AE997E}" dt="2024-03-18T11:23:27.078" v="299" actId="20577"/>
-          <ac:spMkLst>
-            <pc:docMk/>
-            <pc:sldMk cId="1693733291" sldId="324"/>
-            <ac:spMk id="13" creationId="{79CB61BC-4A02-44A3-B58A-1490BC0CE94E}"/>
-          </ac:spMkLst>
-        </pc:spChg>
       </pc:sldChg>
       <pc:sldChg chg="modSp mod">
         <pc:chgData name="pdcxs" userId="f53f700a-6709-4045-8975-3edaa594be1c" providerId="ADAL" clId="{3ACAC3D2-0BBA-47A9-8E6F-C3BAB1AE997E}" dt="2024-03-18T09:52:17.655" v="142" actId="20577"/>
@@ -301,14 +277,6 @@
           <pc:docMk/>
           <pc:sldMk cId="1396083839" sldId="369"/>
         </pc:sldMkLst>
-        <pc:spChg chg="mod">
-          <ac:chgData name="pdcxs" userId="f53f700a-6709-4045-8975-3edaa594be1c" providerId="ADAL" clId="{3ACAC3D2-0BBA-47A9-8E6F-C3BAB1AE997E}" dt="2024-03-18T09:52:17.655" v="142" actId="20577"/>
-          <ac:spMkLst>
-            <pc:docMk/>
-            <pc:sldMk cId="1396083839" sldId="369"/>
-            <ac:spMk id="13" creationId="{CB1485E6-38D1-4E3A-BE62-83F4B8F85724}"/>
-          </ac:spMkLst>
-        </pc:spChg>
       </pc:sldChg>
       <pc:sldChg chg="modSp mod">
         <pc:chgData name="pdcxs" userId="f53f700a-6709-4045-8975-3edaa594be1c" providerId="ADAL" clId="{3ACAC3D2-0BBA-47A9-8E6F-C3BAB1AE997E}" dt="2024-03-18T09:09:05.695" v="23" actId="20577"/>
@@ -316,14 +284,6 @@
           <pc:docMk/>
           <pc:sldMk cId="2958000900" sldId="374"/>
         </pc:sldMkLst>
-        <pc:spChg chg="mod">
-          <ac:chgData name="pdcxs" userId="f53f700a-6709-4045-8975-3edaa594be1c" providerId="ADAL" clId="{3ACAC3D2-0BBA-47A9-8E6F-C3BAB1AE997E}" dt="2024-03-18T09:09:05.695" v="23" actId="20577"/>
-          <ac:spMkLst>
-            <pc:docMk/>
-            <pc:sldMk cId="2958000900" sldId="374"/>
-            <ac:spMk id="19" creationId="{44E293D1-C10E-4F3D-8152-F0988189C9D1}"/>
-          </ac:spMkLst>
-        </pc:spChg>
       </pc:sldChg>
       <pc:sldChg chg="modSp mod">
         <pc:chgData name="pdcxs" userId="f53f700a-6709-4045-8975-3edaa594be1c" providerId="ADAL" clId="{3ACAC3D2-0BBA-47A9-8E6F-C3BAB1AE997E}" dt="2024-03-18T09:20:41.735" v="85" actId="20577"/>
@@ -331,22 +291,6 @@
           <pc:docMk/>
           <pc:sldMk cId="2681999234" sldId="375"/>
         </pc:sldMkLst>
-        <pc:spChg chg="mod">
-          <ac:chgData name="pdcxs" userId="f53f700a-6709-4045-8975-3edaa594be1c" providerId="ADAL" clId="{3ACAC3D2-0BBA-47A9-8E6F-C3BAB1AE997E}" dt="2024-03-18T09:14:24.719" v="52" actId="20577"/>
-          <ac:spMkLst>
-            <pc:docMk/>
-            <pc:sldMk cId="2681999234" sldId="375"/>
-            <ac:spMk id="15" creationId="{581F3514-7BFC-4A41-BAB6-F019E5E2F918}"/>
-          </ac:spMkLst>
-        </pc:spChg>
-        <pc:spChg chg="mod">
-          <ac:chgData name="pdcxs" userId="f53f700a-6709-4045-8975-3edaa594be1c" providerId="ADAL" clId="{3ACAC3D2-0BBA-47A9-8E6F-C3BAB1AE997E}" dt="2024-03-18T09:20:41.735" v="85" actId="20577"/>
-          <ac:spMkLst>
-            <pc:docMk/>
-            <pc:sldMk cId="2681999234" sldId="375"/>
-            <ac:spMk id="17" creationId="{70D9B13A-E140-4310-BE50-FD01671A913B}"/>
-          </ac:spMkLst>
-        </pc:spChg>
       </pc:sldChg>
       <pc:sldChg chg="modSp mod">
         <pc:chgData name="pdcxs" userId="f53f700a-6709-4045-8975-3edaa594be1c" providerId="ADAL" clId="{3ACAC3D2-0BBA-47A9-8E6F-C3BAB1AE997E}" dt="2024-03-18T09:29:24.742" v="112" actId="20577"/>
@@ -354,14 +298,6 @@
           <pc:docMk/>
           <pc:sldMk cId="1843451326" sldId="376"/>
         </pc:sldMkLst>
-        <pc:spChg chg="mod">
-          <ac:chgData name="pdcxs" userId="f53f700a-6709-4045-8975-3edaa594be1c" providerId="ADAL" clId="{3ACAC3D2-0BBA-47A9-8E6F-C3BAB1AE997E}" dt="2024-03-18T09:29:24.742" v="112" actId="20577"/>
-          <ac:spMkLst>
-            <pc:docMk/>
-            <pc:sldMk cId="1843451326" sldId="376"/>
-            <ac:spMk id="15" creationId="{0FA03B78-4FF5-413C-AF77-20CBF113F121}"/>
-          </ac:spMkLst>
-        </pc:spChg>
       </pc:sldChg>
       <pc:sldChg chg="modSp mod">
         <pc:chgData name="pdcxs" userId="f53f700a-6709-4045-8975-3edaa594be1c" providerId="ADAL" clId="{3ACAC3D2-0BBA-47A9-8E6F-C3BAB1AE997E}" dt="2024-03-18T10:17:29.238" v="240" actId="20577"/>
@@ -369,38 +305,6 @@
           <pc:docMk/>
           <pc:sldMk cId="4111664419" sldId="380"/>
         </pc:sldMkLst>
-        <pc:spChg chg="mod">
-          <ac:chgData name="pdcxs" userId="f53f700a-6709-4045-8975-3edaa594be1c" providerId="ADAL" clId="{3ACAC3D2-0BBA-47A9-8E6F-C3BAB1AE997E}" dt="2024-03-18T09:54:49.761" v="167" actId="20577"/>
-          <ac:spMkLst>
-            <pc:docMk/>
-            <pc:sldMk cId="4111664419" sldId="380"/>
-            <ac:spMk id="15" creationId="{7309D5CB-5940-40C3-BBFC-718D2CAA8057}"/>
-          </ac:spMkLst>
-        </pc:spChg>
-        <pc:spChg chg="mod">
-          <ac:chgData name="pdcxs" userId="f53f700a-6709-4045-8975-3edaa594be1c" providerId="ADAL" clId="{3ACAC3D2-0BBA-47A9-8E6F-C3BAB1AE997E}" dt="2024-03-18T09:57:56.272" v="192" actId="20577"/>
-          <ac:spMkLst>
-            <pc:docMk/>
-            <pc:sldMk cId="4111664419" sldId="380"/>
-            <ac:spMk id="18" creationId="{80AC635B-C727-4FC6-A76E-D0B8FFB3DD0A}"/>
-          </ac:spMkLst>
-        </pc:spChg>
-        <pc:spChg chg="mod">
-          <ac:chgData name="pdcxs" userId="f53f700a-6709-4045-8975-3edaa594be1c" providerId="ADAL" clId="{3ACAC3D2-0BBA-47A9-8E6F-C3BAB1AE997E}" dt="2024-03-18T10:14:41.892" v="222" actId="20577"/>
-          <ac:spMkLst>
-            <pc:docMk/>
-            <pc:sldMk cId="4111664419" sldId="380"/>
-            <ac:spMk id="20" creationId="{E5F8E0CC-8873-4823-922D-A046D6B51878}"/>
-          </ac:spMkLst>
-        </pc:spChg>
-        <pc:spChg chg="mod">
-          <ac:chgData name="pdcxs" userId="f53f700a-6709-4045-8975-3edaa594be1c" providerId="ADAL" clId="{3ACAC3D2-0BBA-47A9-8E6F-C3BAB1AE997E}" dt="2024-03-18T10:17:29.238" v="240" actId="20577"/>
-          <ac:spMkLst>
-            <pc:docMk/>
-            <pc:sldMk cId="4111664419" sldId="380"/>
-            <ac:spMk id="23" creationId="{7AF0329F-C55B-432D-B2F1-FE36A785C22C}"/>
-          </ac:spMkLst>
-        </pc:spChg>
       </pc:sldChg>
       <pc:sldChg chg="modSp mod">
         <pc:chgData name="pdcxs" userId="f53f700a-6709-4045-8975-3edaa594be1c" providerId="ADAL" clId="{3ACAC3D2-0BBA-47A9-8E6F-C3BAB1AE997E}" dt="2024-03-18T11:16:13.483" v="272" actId="20577"/>
@@ -408,14 +312,6 @@
           <pc:docMk/>
           <pc:sldMk cId="1703029950" sldId="383"/>
         </pc:sldMkLst>
-        <pc:spChg chg="mod">
-          <ac:chgData name="pdcxs" userId="f53f700a-6709-4045-8975-3edaa594be1c" providerId="ADAL" clId="{3ACAC3D2-0BBA-47A9-8E6F-C3BAB1AE997E}" dt="2024-03-18T11:16:13.483" v="272" actId="20577"/>
-          <ac:spMkLst>
-            <pc:docMk/>
-            <pc:sldMk cId="1703029950" sldId="383"/>
-            <ac:spMk id="16" creationId="{D0C548F2-829E-4EB4-8739-2A376A4B46B9}"/>
-          </ac:spMkLst>
-        </pc:spChg>
       </pc:sldChg>
       <pc:sldChg chg="modSp mod">
         <pc:chgData name="pdcxs" userId="f53f700a-6709-4045-8975-3edaa594be1c" providerId="ADAL" clId="{3ACAC3D2-0BBA-47A9-8E6F-C3BAB1AE997E}" dt="2024-03-18T11:43:43.682" v="409" actId="20577"/>
@@ -423,30 +319,6 @@
           <pc:docMk/>
           <pc:sldMk cId="1047038019" sldId="386"/>
         </pc:sldMkLst>
-        <pc:spChg chg="mod">
-          <ac:chgData name="pdcxs" userId="f53f700a-6709-4045-8975-3edaa594be1c" providerId="ADAL" clId="{3ACAC3D2-0BBA-47A9-8E6F-C3BAB1AE997E}" dt="2024-03-18T11:37:23.411" v="375" actId="20577"/>
-          <ac:spMkLst>
-            <pc:docMk/>
-            <pc:sldMk cId="1047038019" sldId="386"/>
-            <ac:spMk id="15" creationId="{BB3069F5-5B5C-42BE-BE8A-1CC3E7822EB5}"/>
-          </ac:spMkLst>
-        </pc:spChg>
-        <pc:spChg chg="mod">
-          <ac:chgData name="pdcxs" userId="f53f700a-6709-4045-8975-3edaa594be1c" providerId="ADAL" clId="{3ACAC3D2-0BBA-47A9-8E6F-C3BAB1AE997E}" dt="2024-03-18T11:30:24.080" v="335" actId="20577"/>
-          <ac:spMkLst>
-            <pc:docMk/>
-            <pc:sldMk cId="1047038019" sldId="386"/>
-            <ac:spMk id="18" creationId="{435D5A2F-3A1B-426A-879C-A0ED46C04A68}"/>
-          </ac:spMkLst>
-        </pc:spChg>
-        <pc:spChg chg="mod">
-          <ac:chgData name="pdcxs" userId="f53f700a-6709-4045-8975-3edaa594be1c" providerId="ADAL" clId="{3ACAC3D2-0BBA-47A9-8E6F-C3BAB1AE997E}" dt="2024-03-18T11:43:43.682" v="409" actId="20577"/>
-          <ac:spMkLst>
-            <pc:docMk/>
-            <pc:sldMk cId="1047038019" sldId="386"/>
-            <ac:spMk id="20" creationId="{59BE158B-43B3-41BD-838D-06A1E03F4FAF}"/>
-          </ac:spMkLst>
-        </pc:spChg>
       </pc:sldChg>
       <pc:sldChg chg="modSp mod">
         <pc:chgData name="pdcxs" userId="f53f700a-6709-4045-8975-3edaa594be1c" providerId="ADAL" clId="{3ACAC3D2-0BBA-47A9-8E6F-C3BAB1AE997E}" dt="2024-03-18T11:47:07.324" v="443" actId="20577"/>
@@ -454,14 +326,6 @@
           <pc:docMk/>
           <pc:sldMk cId="773407897" sldId="387"/>
         </pc:sldMkLst>
-        <pc:spChg chg="mod">
-          <ac:chgData name="pdcxs" userId="f53f700a-6709-4045-8975-3edaa594be1c" providerId="ADAL" clId="{3ACAC3D2-0BBA-47A9-8E6F-C3BAB1AE997E}" dt="2024-03-18T11:47:07.324" v="443" actId="20577"/>
-          <ac:spMkLst>
-            <pc:docMk/>
-            <pc:sldMk cId="773407897" sldId="387"/>
-            <ac:spMk id="13" creationId="{59452AAA-0EE5-43D1-8E7B-53324F3D0B47}"/>
-          </ac:spMkLst>
-        </pc:spChg>
       </pc:sldChg>
       <pc:sldChg chg="modSp mod">
         <pc:chgData name="pdcxs" userId="f53f700a-6709-4045-8975-3edaa594be1c" providerId="ADAL" clId="{3ACAC3D2-0BBA-47A9-8E6F-C3BAB1AE997E}" dt="2024-03-18T11:55:56.026" v="518" actId="20577"/>
@@ -469,22 +333,6 @@
           <pc:docMk/>
           <pc:sldMk cId="2578587093" sldId="388"/>
         </pc:sldMkLst>
-        <pc:spChg chg="mod">
-          <ac:chgData name="pdcxs" userId="f53f700a-6709-4045-8975-3edaa594be1c" providerId="ADAL" clId="{3ACAC3D2-0BBA-47A9-8E6F-C3BAB1AE997E}" dt="2024-03-18T11:49:46.903" v="489" actId="20577"/>
-          <ac:spMkLst>
-            <pc:docMk/>
-            <pc:sldMk cId="2578587093" sldId="388"/>
-            <ac:spMk id="13" creationId="{2DD49D66-09A4-41F7-A22E-055869D81B8F}"/>
-          </ac:spMkLst>
-        </pc:spChg>
-        <pc:spChg chg="mod">
-          <ac:chgData name="pdcxs" userId="f53f700a-6709-4045-8975-3edaa594be1c" providerId="ADAL" clId="{3ACAC3D2-0BBA-47A9-8E6F-C3BAB1AE997E}" dt="2024-03-18T11:55:56.026" v="518" actId="20577"/>
-          <ac:spMkLst>
-            <pc:docMk/>
-            <pc:sldMk cId="2578587093" sldId="388"/>
-            <ac:spMk id="18" creationId="{9DDA15DB-2A95-488F-A066-F283098E4BFD}"/>
-          </ac:spMkLst>
-        </pc:spChg>
       </pc:sldChg>
       <pc:sldChg chg="addSp modSp mod">
         <pc:chgData name="pdcxs" userId="f53f700a-6709-4045-8975-3edaa594be1c" providerId="ADAL" clId="{3ACAC3D2-0BBA-47A9-8E6F-C3BAB1AE997E}" dt="2024-03-18T11:59:41.622" v="660" actId="14100"/>
@@ -492,12 +340,28 @@
           <pc:docMk/>
           <pc:sldMk cId="3263504066" sldId="392"/>
         </pc:sldMkLst>
-        <pc:spChg chg="add mod">
-          <ac:chgData name="pdcxs" userId="f53f700a-6709-4045-8975-3edaa594be1c" providerId="ADAL" clId="{3ACAC3D2-0BBA-47A9-8E6F-C3BAB1AE997E}" dt="2024-03-18T11:59:41.622" v="660" actId="14100"/>
+      </pc:sldChg>
+    </pc:docChg>
+  </pc:docChgLst>
+  <pc:docChgLst>
+    <pc:chgData name="pdcxs" userId="f53f700a-6709-4045-8975-3edaa594be1c" providerId="ADAL" clId="{609EFB24-97A9-46A5-B552-0A88A28E71DC}"/>
+    <pc:docChg chg="modSld">
+      <pc:chgData name="pdcxs" userId="f53f700a-6709-4045-8975-3edaa594be1c" providerId="ADAL" clId="{609EFB24-97A9-46A5-B552-0A88A28E71DC}" dt="2025-04-14T12:13:19.903" v="0"/>
+      <pc:docMkLst>
+        <pc:docMk/>
+      </pc:docMkLst>
+      <pc:sldChg chg="modSp mod">
+        <pc:chgData name="pdcxs" userId="f53f700a-6709-4045-8975-3edaa594be1c" providerId="ADAL" clId="{609EFB24-97A9-46A5-B552-0A88A28E71DC}" dt="2025-04-14T12:13:19.903" v="0"/>
+        <pc:sldMkLst>
+          <pc:docMk/>
+          <pc:sldMk cId="4091567081" sldId="394"/>
+        </pc:sldMkLst>
+        <pc:spChg chg="mod">
+          <ac:chgData name="pdcxs" userId="f53f700a-6709-4045-8975-3edaa594be1c" providerId="ADAL" clId="{609EFB24-97A9-46A5-B552-0A88A28E71DC}" dt="2025-04-14T12:13:19.903" v="0"/>
           <ac:spMkLst>
             <pc:docMk/>
-            <pc:sldMk cId="3263504066" sldId="392"/>
-            <ac:spMk id="3" creationId="{AE9D4789-E58C-EAD8-BC68-1806B6165636}"/>
+            <pc:sldMk cId="4091567081" sldId="394"/>
+            <ac:spMk id="21" creationId="{00000000-0000-0000-0000-000000000000}"/>
           </ac:spMkLst>
         </pc:spChg>
       </pc:sldChg>
@@ -615,7 +479,7 @@
               <a:pPr>
                 <a:defRPr/>
               </a:pPr>
-              <a:t>2024/3/19</a:t>
+              <a:t>2025/4/14</a:t>
             </a:fld>
             <a:endParaRPr lang="zh-CN" altLang="en-US"/>
           </a:p>
@@ -4891,7 +4755,7 @@
               <a:pPr>
                 <a:defRPr/>
               </a:pPr>
-              <a:t>2024/3/19</a:t>
+              <a:t>2025/4/14</a:t>
             </a:fld>
             <a:endParaRPr lang="zh-CN" altLang="en-US"/>
           </a:p>
@@ -5232,7 +5096,7 @@
               <a:pPr>
                 <a:defRPr/>
               </a:pPr>
-              <a:t>2024/3/19</a:t>
+              <a:t>2025/4/14</a:t>
             </a:fld>
             <a:endParaRPr lang="zh-CN" altLang="en-US"/>
           </a:p>
@@ -5495,7 +5359,7 @@
               <a:pPr>
                 <a:defRPr/>
               </a:pPr>
-              <a:t>2024/3/19</a:t>
+              <a:t>2025/4/14</a:t>
             </a:fld>
             <a:endParaRPr lang="zh-CN" altLang="en-US"/>
           </a:p>
@@ -5758,7 +5622,7 @@
               <a:pPr>
                 <a:defRPr/>
               </a:pPr>
-              <a:t>2024/3/19</a:t>
+              <a:t>2025/4/14</a:t>
             </a:fld>
             <a:endParaRPr lang="zh-CN" altLang="en-US"/>
           </a:p>
@@ -6066,7 +5930,7 @@
           <a:p>
             <a:fld id="{727B9DD9-119C-4B8D-B3AB-3CFC6AE69930}" type="datetimeFigureOut">
               <a:rPr lang="zh-CN" altLang="en-US" smtClean="0"/>
-              <a:t>2024/3/19</a:t>
+              <a:t>2025/4/14</a:t>
             </a:fld>
             <a:endParaRPr lang="zh-CN" altLang="en-US"/>
           </a:p>
@@ -6146,7 +6010,7 @@
         <p:random/>
       </p:transition>
     </mc:Choice>
-    <mc:Fallback xmlns="" xmlns:p15="http://schemas.microsoft.com/office/powerpoint/2012/main">
+    <mc:Fallback xmlns:p15="http://schemas.microsoft.com/office/powerpoint/2012/main" xmlns="">
       <p:transition spd="slow" advClick="0">
         <p:random/>
       </p:transition>
@@ -7428,7 +7292,7 @@
               <a:pPr>
                 <a:defRPr/>
               </a:pPr>
-              <a:t>2024/3/19</a:t>
+              <a:t>2025/4/14</a:t>
             </a:fld>
             <a:endParaRPr lang="zh-CN" altLang="en-US"/>
           </a:p>
@@ -7946,7 +7810,7 @@
               <a:pPr>
                 <a:defRPr/>
               </a:pPr>
-              <a:t>2024/3/19</a:t>
+              <a:t>2025/4/14</a:t>
             </a:fld>
             <a:endParaRPr lang="zh-CN" altLang="en-US"/>
           </a:p>
@@ -8150,7 +8014,7 @@
               <a:pPr>
                 <a:defRPr/>
               </a:pPr>
-              <a:t>2024/3/19</a:t>
+              <a:t>2025/4/14</a:t>
             </a:fld>
             <a:endParaRPr lang="zh-CN" altLang="en-US"/>
           </a:p>
@@ -8324,7 +8188,7 @@
               <a:pPr>
                 <a:defRPr/>
               </a:pPr>
-              <a:t>2024/3/19</a:t>
+              <a:t>2025/4/14</a:t>
             </a:fld>
             <a:endParaRPr lang="zh-CN" altLang="en-US"/>
           </a:p>
@@ -9010,8 +8874,8 @@
         </p:nvSpPr>
         <p:spPr>
           <a:xfrm>
-            <a:off x="4307104" y="3583212"/>
-            <a:ext cx="3793288" cy="288512"/>
+            <a:off x="5312187" y="3583212"/>
+            <a:ext cx="1783122" cy="288512"/>
           </a:xfrm>
           <a:prstGeom prst="rect">
             <a:avLst/>
@@ -9036,7 +8900,7 @@
                 <a:latin typeface="微软雅黑" pitchFamily="34" charset="-122"/>
                 <a:ea typeface="微软雅黑" pitchFamily="34" charset="-122"/>
               </a:rPr>
-              <a:t>学院：计算机科学与技术学院（大数据学院）</a:t>
+              <a:t>学院：人工智能学院</a:t>
             </a:r>
             <a:endParaRPr lang="en-US" altLang="zh-CN" sz="1425" dirty="0">
               <a:solidFill>
@@ -9184,7 +9048,7 @@
         <p:blinds dir="vert"/>
       </p:transition>
     </mc:Choice>
-    <mc:Fallback xmlns="" xmlns:p15="http://schemas.microsoft.com/office/powerpoint/2012/main">
+    <mc:Fallback xmlns:p15="http://schemas.microsoft.com/office/powerpoint/2012/main" xmlns="">
       <p:transition spd="slow" advClick="0">
         <p:blinds dir="vert"/>
       </p:transition>
@@ -9985,7 +9849,7 @@
         <p:blinds dir="vert"/>
       </p:transition>
     </mc:Choice>
-    <mc:Fallback xmlns="" xmlns:p15="http://schemas.microsoft.com/office/powerpoint/2012/main">
+    <mc:Fallback xmlns:p15="http://schemas.microsoft.com/office/powerpoint/2012/main" xmlns="">
       <p:transition spd="slow" advClick="0">
         <p:blinds dir="vert"/>
       </p:transition>
@@ -11482,7 +11346,7 @@
         <p:blinds dir="vert"/>
       </p:transition>
     </mc:Choice>
-    <mc:Fallback xmlns="" xmlns:p15="http://schemas.microsoft.com/office/powerpoint/2012/main">
+    <mc:Fallback xmlns:p15="http://schemas.microsoft.com/office/powerpoint/2012/main" xmlns="">
       <p:transition spd="slow" advClick="0">
         <p:blinds dir="vert"/>
       </p:transition>
@@ -12403,7 +12267,7 @@
         <p:blinds dir="vert"/>
       </p:transition>
     </mc:Choice>
-    <mc:Fallback xmlns="" xmlns:p15="http://schemas.microsoft.com/office/powerpoint/2012/main">
+    <mc:Fallback xmlns:p15="http://schemas.microsoft.com/office/powerpoint/2012/main" xmlns="">
       <p:transition spd="slow" advClick="0">
         <p:blinds dir="vert"/>
       </p:transition>
@@ -14027,7 +13891,7 @@
         <p:blinds dir="vert"/>
       </p:transition>
     </mc:Choice>
-    <mc:Fallback xmlns:p15="http://schemas.microsoft.com/office/powerpoint/2012/main" xmlns="">
+    <mc:Fallback xmlns="" xmlns:p15="http://schemas.microsoft.com/office/powerpoint/2012/main">
       <p:transition spd="slow" advClick="0">
         <p:blinds dir="vert"/>
       </p:transition>
@@ -16146,7 +16010,7 @@
         <p:blinds dir="vert"/>
       </p:transition>
     </mc:Choice>
-    <mc:Fallback xmlns:p15="http://schemas.microsoft.com/office/powerpoint/2012/main" xmlns="">
+    <mc:Fallback xmlns="" xmlns:p15="http://schemas.microsoft.com/office/powerpoint/2012/main">
       <p:transition spd="slow" advClick="0">
         <p:blinds dir="vert"/>
       </p:transition>
@@ -16827,7 +16691,7 @@
         <p:blinds dir="vert"/>
       </p:transition>
     </mc:Choice>
-    <mc:Fallback xmlns:p15="http://schemas.microsoft.com/office/powerpoint/2012/main" xmlns="">
+    <mc:Fallback xmlns="" xmlns:p15="http://schemas.microsoft.com/office/powerpoint/2012/main">
       <p:transition spd="slow" advClick="0">
         <p:blinds dir="vert"/>
       </p:transition>
@@ -19698,7 +19562,7 @@
         <p14:prism/>
       </p:transition>
     </mc:Choice>
-    <mc:Fallback xmlns="" xmlns:p15="http://schemas.microsoft.com/office/powerpoint/2012/main">
+    <mc:Fallback xmlns:p15="http://schemas.microsoft.com/office/powerpoint/2012/main" xmlns="">
       <p:transition spd="slow" advClick="0">
         <p:fade/>
       </p:transition>
@@ -23882,7 +23746,7 @@
         <p:blinds dir="vert"/>
       </p:transition>
     </mc:Choice>
-    <mc:Fallback xmlns="" xmlns:p15="http://schemas.microsoft.com/office/powerpoint/2012/main">
+    <mc:Fallback xmlns:p15="http://schemas.microsoft.com/office/powerpoint/2012/main" xmlns="">
       <p:transition spd="slow" advClick="0">
         <p:blinds dir="vert"/>
       </p:transition>
@@ -25802,7 +25666,7 @@
         <p:blinds dir="vert"/>
       </p:transition>
     </mc:Choice>
-    <mc:Fallback xmlns="" xmlns:p15="http://schemas.microsoft.com/office/powerpoint/2012/main">
+    <mc:Fallback xmlns:p15="http://schemas.microsoft.com/office/powerpoint/2012/main" xmlns="">
       <p:transition spd="slow" advClick="0">
         <p:blinds dir="vert"/>
       </p:transition>
@@ -27535,7 +27399,7 @@
         <p:blinds dir="vert"/>
       </p:transition>
     </mc:Choice>
-    <mc:Fallback xmlns="" xmlns:p15="http://schemas.microsoft.com/office/powerpoint/2012/main">
+    <mc:Fallback xmlns:p15="http://schemas.microsoft.com/office/powerpoint/2012/main" xmlns="">
       <p:transition spd="slow" advClick="0">
         <p:blinds dir="vert"/>
       </p:transition>
@@ -29735,7 +29599,7 @@
         <p:blinds dir="vert"/>
       </p:transition>
     </mc:Choice>
-    <mc:Fallback xmlns="" xmlns:p15="http://schemas.microsoft.com/office/powerpoint/2012/main">
+    <mc:Fallback xmlns:p15="http://schemas.microsoft.com/office/powerpoint/2012/main" xmlns="">
       <p:transition spd="slow" advClick="0">
         <p:blinds dir="vert"/>
       </p:transition>
@@ -32496,7 +32360,7 @@
         <p:blinds dir="vert"/>
       </p:transition>
     </mc:Choice>
-    <mc:Fallback xmlns="" xmlns:p15="http://schemas.microsoft.com/office/powerpoint/2012/main">
+    <mc:Fallback xmlns:p15="http://schemas.microsoft.com/office/powerpoint/2012/main" xmlns="">
       <p:transition spd="slow" advClick="0">
         <p:blinds dir="vert"/>
       </p:transition>
@@ -33343,7 +33207,7 @@
         <p:blinds dir="vert"/>
       </p:transition>
     </mc:Choice>
-    <mc:Fallback xmlns="" xmlns:p15="http://schemas.microsoft.com/office/powerpoint/2012/main">
+    <mc:Fallback xmlns:p15="http://schemas.microsoft.com/office/powerpoint/2012/main" xmlns="">
       <p:transition spd="slow" advClick="0">
         <p:blinds dir="vert"/>
       </p:transition>
@@ -34174,7 +34038,7 @@
         <p:blinds dir="vert"/>
       </p:transition>
     </mc:Choice>
-    <mc:Fallback xmlns="" xmlns:p15="http://schemas.microsoft.com/office/powerpoint/2012/main">
+    <mc:Fallback xmlns:p15="http://schemas.microsoft.com/office/powerpoint/2012/main" xmlns="">
       <p:transition spd="slow" advClick="0">
         <p:blinds dir="vert"/>
       </p:transition>
@@ -36169,7 +36033,7 @@
         <p:blinds dir="vert"/>
       </p:transition>
     </mc:Choice>
-    <mc:Fallback xmlns:p15="http://schemas.microsoft.com/office/powerpoint/2012/main" xmlns="">
+    <mc:Fallback xmlns="" xmlns:p15="http://schemas.microsoft.com/office/powerpoint/2012/main">
       <p:transition spd="slow" advClick="0">
         <p:blinds dir="vert"/>
       </p:transition>
@@ -36838,7 +36702,7 @@
         <p:blinds dir="vert"/>
       </p:transition>
     </mc:Choice>
-    <mc:Fallback xmlns="" xmlns:p15="http://schemas.microsoft.com/office/powerpoint/2012/main">
+    <mc:Fallback xmlns:p15="http://schemas.microsoft.com/office/powerpoint/2012/main" xmlns="">
       <p:transition spd="slow" advClick="0">
         <p:blinds dir="vert"/>
       </p:transition>
@@ -37601,7 +37465,7 @@
         <p:blinds dir="vert"/>
       </p:transition>
     </mc:Choice>
-    <mc:Fallback xmlns:p15="http://schemas.microsoft.com/office/powerpoint/2012/main" xmlns="">
+    <mc:Fallback xmlns="" xmlns:p15="http://schemas.microsoft.com/office/powerpoint/2012/main">
       <p:transition spd="slow" advClick="0">
         <p:blinds dir="vert"/>
       </p:transition>
@@ -39316,7 +39180,7 @@
     <mc:Choice Requires="p14">
       <p:transition spd="slow" p14:dur="2000" advClick="0"/>
     </mc:Choice>
-    <mc:Fallback xmlns="" xmlns:p15="http://schemas.microsoft.com/office/powerpoint/2012/main">
+    <mc:Fallback xmlns:p15="http://schemas.microsoft.com/office/powerpoint/2012/main" xmlns="">
       <p:transition spd="slow" advClick="0"/>
     </mc:Fallback>
   </mc:AlternateContent>
@@ -43343,7 +43207,7 @@
         <p:blinds dir="vert"/>
       </p:transition>
     </mc:Choice>
-    <mc:Fallback xmlns="" xmlns:p15="http://schemas.microsoft.com/office/powerpoint/2012/main">
+    <mc:Fallback xmlns:p15="http://schemas.microsoft.com/office/powerpoint/2012/main" xmlns="">
       <p:transition spd="slow" advClick="0">
         <p:blinds dir="vert"/>
       </p:transition>
